--- a/esp32_hardware/esp32.pptx
+++ b/esp32_hardware/esp32.pptx
@@ -108,6 +108,11 @@
       </a:defRPr>
     </a:lvl9pPr>
   </p:defaultTextStyle>
+  <p:extLst>
+    <p:ext uri="{EFAFB233-063F-42B5-8137-9DF3F51BA10A}">
+      <p15:sldGuideLst xmlns:p15="http://schemas.microsoft.com/office/powerpoint/2012/main"/>
+    </p:ext>
+  </p:extLst>
 </p:presentation>
 </file>
 
@@ -835,7 +840,7 @@
             <a:fld id="{1449AA12-8195-4182-A7AC-2E7E59DFBDAF}" type="datetimeFigureOut">
               <a:rPr lang="en-US" smtClean="0"/>
               <a:pPr algn="r"/>
-              <a:t>5/24/2023</a:t>
+              <a:t>6/3/2023</a:t>
             </a:fld>
             <a:endParaRPr lang="en-US"/>
           </a:p>
@@ -1088,7 +1093,7 @@
             <a:fld id="{1449AA12-8195-4182-A7AC-2E7E59DFBDAF}" type="datetimeFigureOut">
               <a:rPr lang="en-US" smtClean="0"/>
               <a:pPr/>
-              <a:t>5/24/2023</a:t>
+              <a:t>6/3/2023</a:t>
             </a:fld>
             <a:endParaRPr lang="en-US"/>
           </a:p>
@@ -1404,7 +1409,7 @@
             <a:fld id="{1449AA12-8195-4182-A7AC-2E7E59DFBDAF}" type="datetimeFigureOut">
               <a:rPr lang="en-US" smtClean="0"/>
               <a:pPr/>
-              <a:t>5/24/2023</a:t>
+              <a:t>6/3/2023</a:t>
             </a:fld>
             <a:endParaRPr lang="en-US"/>
           </a:p>
@@ -1747,7 +1752,7 @@
             <a:fld id="{1449AA12-8195-4182-A7AC-2E7E59DFBDAF}" type="datetimeFigureOut">
               <a:rPr lang="en-US" smtClean="0"/>
               <a:pPr/>
-              <a:t>5/24/2023</a:t>
+              <a:t>6/3/2023</a:t>
             </a:fld>
             <a:endParaRPr lang="en-US"/>
           </a:p>
@@ -2063,7 +2068,7 @@
             <a:fld id="{1449AA12-8195-4182-A7AC-2E7E59DFBDAF}" type="datetimeFigureOut">
               <a:rPr lang="en-US" smtClean="0"/>
               <a:pPr/>
-              <a:t>5/24/2023</a:t>
+              <a:t>6/3/2023</a:t>
             </a:fld>
             <a:endParaRPr lang="en-US"/>
           </a:p>
@@ -2458,7 +2463,7 @@
             <a:fld id="{1449AA12-8195-4182-A7AC-2E7E59DFBDAF}" type="datetimeFigureOut">
               <a:rPr lang="en-US" smtClean="0"/>
               <a:pPr/>
-              <a:t>5/24/2023</a:t>
+              <a:t>6/3/2023</a:t>
             </a:fld>
             <a:endParaRPr lang="en-US"/>
           </a:p>
@@ -2629,7 +2634,7 @@
           <a:p>
             <a:fld id="{1449AA12-8195-4182-A7AC-2E7E59DFBDAF}" type="datetimeFigureOut">
               <a:rPr lang="en-US" smtClean="0"/>
-              <a:t>5/24/2023</a:t>
+              <a:t>6/3/2023</a:t>
             </a:fld>
             <a:endParaRPr lang="en-US"/>
           </a:p>
@@ -2809,7 +2814,7 @@
           <a:p>
             <a:fld id="{1449AA12-8195-4182-A7AC-2E7E59DFBDAF}" type="datetimeFigureOut">
               <a:rPr lang="en-US" smtClean="0"/>
-              <a:t>5/24/2023</a:t>
+              <a:t>6/3/2023</a:t>
             </a:fld>
             <a:endParaRPr lang="en-US"/>
           </a:p>
@@ -2985,7 +2990,7 @@
           <a:p>
             <a:fld id="{1449AA12-8195-4182-A7AC-2E7E59DFBDAF}" type="datetimeFigureOut">
               <a:rPr lang="en-US" smtClean="0"/>
-              <a:t>5/24/2023</a:t>
+              <a:t>6/3/2023</a:t>
             </a:fld>
             <a:endParaRPr lang="en-US"/>
           </a:p>
@@ -3232,7 +3237,7 @@
           <a:p>
             <a:fld id="{1449AA12-8195-4182-A7AC-2E7E59DFBDAF}" type="datetimeFigureOut">
               <a:rPr lang="en-US" smtClean="0"/>
-              <a:t>5/24/2023</a:t>
+              <a:t>6/3/2023</a:t>
             </a:fld>
             <a:endParaRPr lang="en-US"/>
           </a:p>
@@ -3464,7 +3469,7 @@
           <a:p>
             <a:fld id="{1449AA12-8195-4182-A7AC-2E7E59DFBDAF}" type="datetimeFigureOut">
               <a:rPr lang="en-US" smtClean="0"/>
-              <a:t>5/24/2023</a:t>
+              <a:t>6/3/2023</a:t>
             </a:fld>
             <a:endParaRPr lang="en-US"/>
           </a:p>
@@ -3838,7 +3843,7 @@
           <a:p>
             <a:fld id="{1449AA12-8195-4182-A7AC-2E7E59DFBDAF}" type="datetimeFigureOut">
               <a:rPr lang="en-US" smtClean="0"/>
-              <a:t>5/24/2023</a:t>
+              <a:t>6/3/2023</a:t>
             </a:fld>
             <a:endParaRPr lang="en-US"/>
           </a:p>
@@ -3961,7 +3966,7 @@
           <a:p>
             <a:fld id="{1449AA12-8195-4182-A7AC-2E7E59DFBDAF}" type="datetimeFigureOut">
               <a:rPr lang="en-US" smtClean="0"/>
-              <a:t>5/24/2023</a:t>
+              <a:t>6/3/2023</a:t>
             </a:fld>
             <a:endParaRPr lang="en-US"/>
           </a:p>
@@ -4056,7 +4061,7 @@
           <a:p>
             <a:fld id="{1449AA12-8195-4182-A7AC-2E7E59DFBDAF}" type="datetimeFigureOut">
               <a:rPr lang="en-US" smtClean="0"/>
-              <a:t>5/24/2023</a:t>
+              <a:t>6/3/2023</a:t>
             </a:fld>
             <a:endParaRPr lang="en-US"/>
           </a:p>
@@ -4311,7 +4316,7 @@
           <a:p>
             <a:fld id="{1449AA12-8195-4182-A7AC-2E7E59DFBDAF}" type="datetimeFigureOut">
               <a:rPr lang="en-US" smtClean="0"/>
-              <a:t>5/24/2023</a:t>
+              <a:t>6/3/2023</a:t>
             </a:fld>
             <a:endParaRPr lang="en-US"/>
           </a:p>
@@ -4574,7 +4579,7 @@
           <a:p>
             <a:fld id="{1449AA12-8195-4182-A7AC-2E7E59DFBDAF}" type="datetimeFigureOut">
               <a:rPr lang="en-US" smtClean="0"/>
-              <a:t>5/24/2023</a:t>
+              <a:t>6/3/2023</a:t>
             </a:fld>
             <a:endParaRPr lang="en-US"/>
           </a:p>
@@ -5318,7 +5323,7 @@
             <a:fld id="{1449AA12-8195-4182-A7AC-2E7E59DFBDAF}" type="datetimeFigureOut">
               <a:rPr lang="en-US" smtClean="0"/>
               <a:pPr/>
-              <a:t>5/24/2023</a:t>
+              <a:t>6/3/2023</a:t>
             </a:fld>
             <a:endParaRPr lang="en-US"/>
           </a:p>

--- a/esp32_hardware/esp32.pptx
+++ b/esp32_hardware/esp32.pptx
@@ -840,7 +840,7 @@
             <a:fld id="{1449AA12-8195-4182-A7AC-2E7E59DFBDAF}" type="datetimeFigureOut">
               <a:rPr lang="en-US" smtClean="0"/>
               <a:pPr algn="r"/>
-              <a:t>6/3/2023</a:t>
+              <a:t>6/4/2023</a:t>
             </a:fld>
             <a:endParaRPr lang="en-US"/>
           </a:p>
@@ -1093,7 +1093,7 @@
             <a:fld id="{1449AA12-8195-4182-A7AC-2E7E59DFBDAF}" type="datetimeFigureOut">
               <a:rPr lang="en-US" smtClean="0"/>
               <a:pPr/>
-              <a:t>6/3/2023</a:t>
+              <a:t>6/4/2023</a:t>
             </a:fld>
             <a:endParaRPr lang="en-US"/>
           </a:p>
@@ -1409,7 +1409,7 @@
             <a:fld id="{1449AA12-8195-4182-A7AC-2E7E59DFBDAF}" type="datetimeFigureOut">
               <a:rPr lang="en-US" smtClean="0"/>
               <a:pPr/>
-              <a:t>6/3/2023</a:t>
+              <a:t>6/4/2023</a:t>
             </a:fld>
             <a:endParaRPr lang="en-US"/>
           </a:p>
@@ -1752,7 +1752,7 @@
             <a:fld id="{1449AA12-8195-4182-A7AC-2E7E59DFBDAF}" type="datetimeFigureOut">
               <a:rPr lang="en-US" smtClean="0"/>
               <a:pPr/>
-              <a:t>6/3/2023</a:t>
+              <a:t>6/4/2023</a:t>
             </a:fld>
             <a:endParaRPr lang="en-US"/>
           </a:p>
@@ -2068,7 +2068,7 @@
             <a:fld id="{1449AA12-8195-4182-A7AC-2E7E59DFBDAF}" type="datetimeFigureOut">
               <a:rPr lang="en-US" smtClean="0"/>
               <a:pPr/>
-              <a:t>6/3/2023</a:t>
+              <a:t>6/4/2023</a:t>
             </a:fld>
             <a:endParaRPr lang="en-US"/>
           </a:p>
@@ -2463,7 +2463,7 @@
             <a:fld id="{1449AA12-8195-4182-A7AC-2E7E59DFBDAF}" type="datetimeFigureOut">
               <a:rPr lang="en-US" smtClean="0"/>
               <a:pPr/>
-              <a:t>6/3/2023</a:t>
+              <a:t>6/4/2023</a:t>
             </a:fld>
             <a:endParaRPr lang="en-US"/>
           </a:p>
@@ -2634,7 +2634,7 @@
           <a:p>
             <a:fld id="{1449AA12-8195-4182-A7AC-2E7E59DFBDAF}" type="datetimeFigureOut">
               <a:rPr lang="en-US" smtClean="0"/>
-              <a:t>6/3/2023</a:t>
+              <a:t>6/4/2023</a:t>
             </a:fld>
             <a:endParaRPr lang="en-US"/>
           </a:p>
@@ -2814,7 +2814,7 @@
           <a:p>
             <a:fld id="{1449AA12-8195-4182-A7AC-2E7E59DFBDAF}" type="datetimeFigureOut">
               <a:rPr lang="en-US" smtClean="0"/>
-              <a:t>6/3/2023</a:t>
+              <a:t>6/4/2023</a:t>
             </a:fld>
             <a:endParaRPr lang="en-US"/>
           </a:p>
@@ -2990,7 +2990,7 @@
           <a:p>
             <a:fld id="{1449AA12-8195-4182-A7AC-2E7E59DFBDAF}" type="datetimeFigureOut">
               <a:rPr lang="en-US" smtClean="0"/>
-              <a:t>6/3/2023</a:t>
+              <a:t>6/4/2023</a:t>
             </a:fld>
             <a:endParaRPr lang="en-US"/>
           </a:p>
@@ -3237,7 +3237,7 @@
           <a:p>
             <a:fld id="{1449AA12-8195-4182-A7AC-2E7E59DFBDAF}" type="datetimeFigureOut">
               <a:rPr lang="en-US" smtClean="0"/>
-              <a:t>6/3/2023</a:t>
+              <a:t>6/4/2023</a:t>
             </a:fld>
             <a:endParaRPr lang="en-US"/>
           </a:p>
@@ -3469,7 +3469,7 @@
           <a:p>
             <a:fld id="{1449AA12-8195-4182-A7AC-2E7E59DFBDAF}" type="datetimeFigureOut">
               <a:rPr lang="en-US" smtClean="0"/>
-              <a:t>6/3/2023</a:t>
+              <a:t>6/4/2023</a:t>
             </a:fld>
             <a:endParaRPr lang="en-US"/>
           </a:p>
@@ -3843,7 +3843,7 @@
           <a:p>
             <a:fld id="{1449AA12-8195-4182-A7AC-2E7E59DFBDAF}" type="datetimeFigureOut">
               <a:rPr lang="en-US" smtClean="0"/>
-              <a:t>6/3/2023</a:t>
+              <a:t>6/4/2023</a:t>
             </a:fld>
             <a:endParaRPr lang="en-US"/>
           </a:p>
@@ -3966,7 +3966,7 @@
           <a:p>
             <a:fld id="{1449AA12-8195-4182-A7AC-2E7E59DFBDAF}" type="datetimeFigureOut">
               <a:rPr lang="en-US" smtClean="0"/>
-              <a:t>6/3/2023</a:t>
+              <a:t>6/4/2023</a:t>
             </a:fld>
             <a:endParaRPr lang="en-US"/>
           </a:p>
@@ -4061,7 +4061,7 @@
           <a:p>
             <a:fld id="{1449AA12-8195-4182-A7AC-2E7E59DFBDAF}" type="datetimeFigureOut">
               <a:rPr lang="en-US" smtClean="0"/>
-              <a:t>6/3/2023</a:t>
+              <a:t>6/4/2023</a:t>
             </a:fld>
             <a:endParaRPr lang="en-US"/>
           </a:p>
@@ -4316,7 +4316,7 @@
           <a:p>
             <a:fld id="{1449AA12-8195-4182-A7AC-2E7E59DFBDAF}" type="datetimeFigureOut">
               <a:rPr lang="en-US" smtClean="0"/>
-              <a:t>6/3/2023</a:t>
+              <a:t>6/4/2023</a:t>
             </a:fld>
             <a:endParaRPr lang="en-US"/>
           </a:p>
@@ -4579,7 +4579,7 @@
           <a:p>
             <a:fld id="{1449AA12-8195-4182-A7AC-2E7E59DFBDAF}" type="datetimeFigureOut">
               <a:rPr lang="en-US" smtClean="0"/>
-              <a:t>6/3/2023</a:t>
+              <a:t>6/4/2023</a:t>
             </a:fld>
             <a:endParaRPr lang="en-US"/>
           </a:p>
@@ -5323,7 +5323,7 @@
             <a:fld id="{1449AA12-8195-4182-A7AC-2E7E59DFBDAF}" type="datetimeFigureOut">
               <a:rPr lang="en-US" smtClean="0"/>
               <a:pPr/>
-              <a:t>6/3/2023</a:t>
+              <a:t>6/4/2023</a:t>
             </a:fld>
             <a:endParaRPr lang="en-US"/>
           </a:p>
